--- a/exposicion.pptx
+++ b/exposicion.pptx
@@ -6049,6 +6049,114 @@
           <a:chExt cx="0" cy="0"/>
         </a:xfrm>
       </p:grpSpPr>
+      <p:sp>
+        <p:nvSpPr>
+          <p:cNvPr id="2" name="CuadroTexto 1"/>
+          <p:cNvSpPr txBox="1"/>
+          <p:nvPr/>
+        </p:nvSpPr>
+        <p:spPr>
+          <a:xfrm>
+            <a:off x="4091709" y="775854"/>
+            <a:ext cx="4461163" cy="523220"/>
+          </a:xfrm>
+          <a:prstGeom prst="rect">
+            <a:avLst/>
+          </a:prstGeom>
+          <a:noFill/>
+        </p:spPr>
+        <p:txBody>
+          <a:bodyPr wrap="square" rtlCol="0">
+            <a:spAutoFit/>
+          </a:bodyPr>
+          <a:lstStyle/>
+          <a:p>
+            <a:r>
+              <a:rPr lang="es-CO" sz="2800" dirty="0" smtClean="0"/>
+              <a:t>Variaciones protegidas</a:t>
+            </a:r>
+            <a:endParaRPr lang="es-CO" sz="2800" dirty="0"/>
+          </a:p>
+        </p:txBody>
+      </p:sp>
+      <p:sp>
+        <p:nvSpPr>
+          <p:cNvPr id="4" name="CuadroTexto 3"/>
+          <p:cNvSpPr txBox="1"/>
+          <p:nvPr/>
+        </p:nvSpPr>
+        <p:spPr>
+          <a:xfrm>
+            <a:off x="2419927" y="1385455"/>
+            <a:ext cx="7241309" cy="1754326"/>
+          </a:xfrm>
+          <a:prstGeom prst="rect">
+            <a:avLst/>
+          </a:prstGeom>
+          <a:noFill/>
+        </p:spPr>
+        <p:txBody>
+          <a:bodyPr wrap="square" rtlCol="0">
+            <a:spAutoFit/>
+          </a:bodyPr>
+          <a:lstStyle/>
+          <a:p>
+            <a:r>
+              <a:rPr lang="es-CO" dirty="0"/>
+              <a:t>Variaciones protegidas, es el principio fundamental de protegerse frente al cambio. Esto quiere decir que lo que veamos en un análisis previo que es susceptible de modificaciones lo envolvamos en una interfaz y utilicemos el polimorfismo para crear varias implementaciones y posibilitar implementaciones futuras de manera que quede lo menos ligado posible a nuestro sistema</a:t>
+            </a:r>
+            <a:endParaRPr lang="es-CO" dirty="0"/>
+          </a:p>
+        </p:txBody>
+      </p:sp>
+      <p:pic>
+        <p:nvPicPr>
+          <p:cNvPr id="5" name="Imagen 4"/>
+          <p:cNvPicPr>
+            <a:picLocks noChangeAspect="1"/>
+          </p:cNvPicPr>
+          <p:nvPr/>
+        </p:nvPicPr>
+        <p:blipFill>
+          <a:blip r:embed="rId2"/>
+          <a:stretch>
+            <a:fillRect/>
+          </a:stretch>
+        </p:blipFill>
+        <p:spPr>
+          <a:xfrm>
+            <a:off x="748146" y="3417453"/>
+            <a:ext cx="5192568" cy="2605809"/>
+          </a:xfrm>
+          <a:prstGeom prst="rect">
+            <a:avLst/>
+          </a:prstGeom>
+        </p:spPr>
+      </p:pic>
+      <p:pic>
+        <p:nvPicPr>
+          <p:cNvPr id="6" name="Imagen 5"/>
+          <p:cNvPicPr>
+            <a:picLocks noChangeAspect="1"/>
+          </p:cNvPicPr>
+          <p:nvPr/>
+        </p:nvPicPr>
+        <p:blipFill>
+          <a:blip r:embed="rId3"/>
+          <a:stretch>
+            <a:fillRect/>
+          </a:stretch>
+        </p:blipFill>
+        <p:spPr>
+          <a:xfrm>
+            <a:off x="6123708" y="3417453"/>
+            <a:ext cx="4553527" cy="2605810"/>
+          </a:xfrm>
+          <a:prstGeom prst="rect">
+            <a:avLst/>
+          </a:prstGeom>
+        </p:spPr>
+      </p:pic>
     </p:spTree>
     <p:extLst>
       <p:ext uri="{BB962C8B-B14F-4D97-AF65-F5344CB8AC3E}">
